--- a/Week7/Diagrams.pptx
+++ b/Week7/Diagrams.pptx
@@ -266,7 +266,7 @@
           <a:p>
             <a:fld id="{C1062465-AA9A-4CBA-8261-26281F6E17F7}" type="datetimeFigureOut">
               <a:rPr lang="en-CA" smtClean="0"/>
-              <a:t>2020-02-13</a:t>
+              <a:t>2020-02-25</a:t>
             </a:fld>
             <a:endParaRPr lang="en-CA"/>
           </a:p>
@@ -436,7 +436,7 @@
           <a:p>
             <a:fld id="{C1062465-AA9A-4CBA-8261-26281F6E17F7}" type="datetimeFigureOut">
               <a:rPr lang="en-CA" smtClean="0"/>
-              <a:t>2020-02-13</a:t>
+              <a:t>2020-02-25</a:t>
             </a:fld>
             <a:endParaRPr lang="en-CA"/>
           </a:p>
@@ -616,7 +616,7 @@
           <a:p>
             <a:fld id="{C1062465-AA9A-4CBA-8261-26281F6E17F7}" type="datetimeFigureOut">
               <a:rPr lang="en-CA" smtClean="0"/>
-              <a:t>2020-02-13</a:t>
+              <a:t>2020-02-25</a:t>
             </a:fld>
             <a:endParaRPr lang="en-CA"/>
           </a:p>
@@ -786,7 +786,7 @@
           <a:p>
             <a:fld id="{C1062465-AA9A-4CBA-8261-26281F6E17F7}" type="datetimeFigureOut">
               <a:rPr lang="en-CA" smtClean="0"/>
-              <a:t>2020-02-13</a:t>
+              <a:t>2020-02-25</a:t>
             </a:fld>
             <a:endParaRPr lang="en-CA"/>
           </a:p>
@@ -1032,7 +1032,7 @@
           <a:p>
             <a:fld id="{C1062465-AA9A-4CBA-8261-26281F6E17F7}" type="datetimeFigureOut">
               <a:rPr lang="en-CA" smtClean="0"/>
-              <a:t>2020-02-13</a:t>
+              <a:t>2020-02-25</a:t>
             </a:fld>
             <a:endParaRPr lang="en-CA"/>
           </a:p>
@@ -1264,7 +1264,7 @@
           <a:p>
             <a:fld id="{C1062465-AA9A-4CBA-8261-26281F6E17F7}" type="datetimeFigureOut">
               <a:rPr lang="en-CA" smtClean="0"/>
-              <a:t>2020-02-13</a:t>
+              <a:t>2020-02-25</a:t>
             </a:fld>
             <a:endParaRPr lang="en-CA"/>
           </a:p>
@@ -1631,7 +1631,7 @@
           <a:p>
             <a:fld id="{C1062465-AA9A-4CBA-8261-26281F6E17F7}" type="datetimeFigureOut">
               <a:rPr lang="en-CA" smtClean="0"/>
-              <a:t>2020-02-13</a:t>
+              <a:t>2020-02-25</a:t>
             </a:fld>
             <a:endParaRPr lang="en-CA"/>
           </a:p>
@@ -1749,7 +1749,7 @@
           <a:p>
             <a:fld id="{C1062465-AA9A-4CBA-8261-26281F6E17F7}" type="datetimeFigureOut">
               <a:rPr lang="en-CA" smtClean="0"/>
-              <a:t>2020-02-13</a:t>
+              <a:t>2020-02-25</a:t>
             </a:fld>
             <a:endParaRPr lang="en-CA"/>
           </a:p>
@@ -1844,7 +1844,7 @@
           <a:p>
             <a:fld id="{C1062465-AA9A-4CBA-8261-26281F6E17F7}" type="datetimeFigureOut">
               <a:rPr lang="en-CA" smtClean="0"/>
-              <a:t>2020-02-13</a:t>
+              <a:t>2020-02-25</a:t>
             </a:fld>
             <a:endParaRPr lang="en-CA"/>
           </a:p>
@@ -2121,7 +2121,7 @@
           <a:p>
             <a:fld id="{C1062465-AA9A-4CBA-8261-26281F6E17F7}" type="datetimeFigureOut">
               <a:rPr lang="en-CA" smtClean="0"/>
-              <a:t>2020-02-13</a:t>
+              <a:t>2020-02-25</a:t>
             </a:fld>
             <a:endParaRPr lang="en-CA"/>
           </a:p>
@@ -2374,7 +2374,7 @@
           <a:p>
             <a:fld id="{C1062465-AA9A-4CBA-8261-26281F6E17F7}" type="datetimeFigureOut">
               <a:rPr lang="en-CA" smtClean="0"/>
-              <a:t>2020-02-13</a:t>
+              <a:t>2020-02-25</a:t>
             </a:fld>
             <a:endParaRPr lang="en-CA"/>
           </a:p>
@@ -2587,7 +2587,7 @@
           <a:p>
             <a:fld id="{C1062465-AA9A-4CBA-8261-26281F6E17F7}" type="datetimeFigureOut">
               <a:rPr lang="en-CA" smtClean="0"/>
-              <a:t>2020-02-13</a:t>
+              <a:t>2020-02-25</a:t>
             </a:fld>
             <a:endParaRPr lang="en-CA"/>
           </a:p>
